--- a/2017_Stockholm/DINA-Kotka.pptx
+++ b/2017_Stockholm/DINA-Kotka.pptx
@@ -5928,36 +5928,61 @@
             </a:r>
             <a:r>
               <a:rPr lang="fi-FI" dirty="0" err="1"/>
-              <a:t>user</a:t>
-            </a:r>
-            <a:r>
-              <a:rPr lang="fi-FI" dirty="0"/>
-              <a:t>: </a:t>
-            </a:r>
-            <a:r>
-              <a:rPr lang="fi-FI" dirty="0" err="1"/>
-              <a:t>kotkatest</a:t>
-            </a:r>
-            <a:r>
-              <a:rPr lang="fi-FI" dirty="0"/>
-              <a:t>, </a:t>
-            </a:r>
-            <a:r>
-              <a:rPr lang="fi-FI" dirty="0" err="1"/>
-              <a:t>pass</a:t>
-            </a:r>
-            <a:r>
-              <a:rPr lang="fi-FI" dirty="0"/>
-              <a:t>: </a:t>
-            </a:r>
-            <a:r>
-              <a:rPr lang="fi-FI" dirty="0" err="1"/>
-              <a:t>testpassword</a:t>
+              <a:t>ask</a:t>
+            </a:r>
+            <a:r>
+              <a:rPr lang="fi-FI" dirty="0"/>
+              <a:t> </a:t>
+            </a:r>
+            <a:r>
+              <a:rPr lang="fi-FI" dirty="0" err="1"/>
+              <a:t>username</a:t>
+            </a:r>
+            <a:r>
+              <a:rPr lang="fi-FI" dirty="0"/>
+              <a:t> &amp; </a:t>
+            </a:r>
+            <a:r>
+              <a:rPr lang="fi-FI" dirty="0" err="1"/>
+              <a:t>password</a:t>
+            </a:r>
+            <a:r>
+              <a:rPr lang="fi-FI" dirty="0"/>
+              <a:t> </a:t>
+            </a:r>
+            <a:r>
+              <a:rPr lang="fi-FI" dirty="0" err="1"/>
+              <a:t>from</a:t>
+            </a:r>
+            <a:r>
+              <a:rPr lang="fi-FI" dirty="0"/>
+              <a:t> </a:t>
+            </a:r>
+            <a:r>
+              <a:rPr lang="fi-FI" dirty="0" err="1"/>
+              <a:t>mikko.heikkinen</a:t>
+            </a:r>
+            <a:r>
+              <a:rPr lang="fi-FI" dirty="0"/>
+              <a:t>(</a:t>
+            </a:r>
+            <a:r>
+              <a:rPr lang="fi-FI" dirty="0" err="1"/>
+              <a:t>ät</a:t>
             </a:r>
             <a:r>
               <a:rPr lang="fi-FI" dirty="0"/>
               <a:t>)</a:t>
             </a:r>
+            <a:r>
+              <a:rPr lang="fi-FI" dirty="0" err="1"/>
+              <a:t>nrm.se</a:t>
+            </a:r>
+            <a:r>
+              <a:rPr lang="fi-FI" dirty="0"/>
+              <a:t>)</a:t>
+            </a:r>
+            <a:endParaRPr lang="fi-FI" dirty="0"/>
           </a:p>
           <a:p>
             <a:endParaRPr lang="fi-FI" dirty="0"/>
@@ -7707,21 +7732,26 @@
               <a:t> (</a:t>
             </a:r>
             <a:r>
+              <a:rPr lang="en-US" sz="2100" dirty="0"/>
+              <a:t>ask username &amp; password from </a:t>
+            </a:r>
+            <a:r>
               <a:rPr lang="en-US" sz="2100" dirty="0" err="1"/>
-              <a:t>kotkatest</a:t>
+              <a:t>mikko.heikkinen</a:t>
             </a:r>
             <a:r>
               <a:rPr lang="en-US" sz="2100" dirty="0"/>
-              <a:t>/</a:t>
+              <a:t>(</a:t>
             </a:r>
             <a:r>
               <a:rPr lang="en-US" sz="2100" dirty="0" err="1"/>
-              <a:t>testpassword</a:t>
+              <a:t>ät</a:t>
             </a:r>
             <a:r>
               <a:rPr lang="en-US" sz="2100" dirty="0"/>
-              <a:t>)</a:t>
-            </a:r>
+              <a:t>)nrm.se)</a:t>
+            </a:r>
+            <a:endParaRPr lang="en-US" sz="2100" dirty="0"/>
           </a:p>
           <a:p>
             <a:r>
